--- a/topic03/talk-4/c-project-1.pptx
+++ b/topic03/talk-4/c-project-1.pptx
@@ -2275,7 +2275,7 @@
             <a:effectLst/>
             <a:extLst>
               <a:ext uri="{C572A759-6A51-4108-AA02-DFA0A04FC94B}">
-                <ma14:wrappingTextBoxFlag xmlns="" xmlns:ma14="http://schemas.microsoft.com/office/mac/drawingml/2011/main" val="1"/>
+                <ma14:wrappingTextBoxFlag xmlns:ma14="http://schemas.microsoft.com/office/mac/drawingml/2011/main" xmlns="" val="1"/>
               </a:ext>
             </a:extLst>
           </p:spPr>
@@ -2445,7 +2445,7 @@
           </a:ln>
           <a:extLst>
             <a:ext uri="{C572A759-6A51-4108-AA02-DFA0A04FC94B}">
-              <ma14:wrappingTextBoxFlag xmlns="" xmlns:ma14="http://schemas.microsoft.com/office/mac/drawingml/2011/main" val="1"/>
+              <ma14:wrappingTextBoxFlag xmlns:ma14="http://schemas.microsoft.com/office/mac/drawingml/2011/main" xmlns="" val="1"/>
             </a:ext>
           </a:extLst>
         </p:spPr>
@@ -2532,7 +2532,7 @@
             <a:effectLst/>
             <a:extLst>
               <a:ext uri="{C572A759-6A51-4108-AA02-DFA0A04FC94B}">
-                <ma14:wrappingTextBoxFlag xmlns="" xmlns:ma14="http://schemas.microsoft.com/office/mac/drawingml/2011/main" val="1"/>
+                <ma14:wrappingTextBoxFlag xmlns:ma14="http://schemas.microsoft.com/office/mac/drawingml/2011/main" xmlns="" val="1"/>
               </a:ext>
             </a:extLst>
           </p:spPr>
@@ -2597,7 +2597,7 @@
             <a:effectLst/>
             <a:extLst>
               <a:ext uri="{C572A759-6A51-4108-AA02-DFA0A04FC94B}">
-                <ma14:wrappingTextBoxFlag xmlns="" xmlns:ma14="http://schemas.microsoft.com/office/mac/drawingml/2011/main" val="1"/>
+                <ma14:wrappingTextBoxFlag xmlns:ma14="http://schemas.microsoft.com/office/mac/drawingml/2011/main" xmlns="" val="1"/>
               </a:ext>
             </a:extLst>
           </p:spPr>
@@ -2647,7 +2647,7 @@
             <a:effectLst/>
             <a:extLst>
               <a:ext uri="{C572A759-6A51-4108-AA02-DFA0A04FC94B}">
-                <ma14:wrappingTextBoxFlag xmlns="" xmlns:ma14="http://schemas.microsoft.com/office/mac/drawingml/2011/main" val="1"/>
+                <ma14:wrappingTextBoxFlag xmlns:ma14="http://schemas.microsoft.com/office/mac/drawingml/2011/main" xmlns="" val="1"/>
               </a:ext>
             </a:extLst>
           </p:spPr>
@@ -4740,7 +4740,7 @@
           </a:ln>
           <a:extLst>
             <a:ext uri="{C572A759-6A51-4108-AA02-DFA0A04FC94B}">
-              <ma14:wrappingTextBoxFlag xmlns="" xmlns:ma14="http://schemas.microsoft.com/office/mac/drawingml/2011/main" val="1"/>
+              <ma14:wrappingTextBoxFlag xmlns:ma14="http://schemas.microsoft.com/office/mac/drawingml/2011/main" xmlns="" val="1"/>
             </a:ext>
           </a:extLst>
         </p:spPr>
@@ -4781,7 +4781,7 @@
           </a:ln>
           <a:extLst>
             <a:ext uri="{C572A759-6A51-4108-AA02-DFA0A04FC94B}">
-              <ma14:wrappingTextBoxFlag xmlns="" xmlns:ma14="http://schemas.microsoft.com/office/mac/drawingml/2011/main" val="1"/>
+              <ma14:wrappingTextBoxFlag xmlns:ma14="http://schemas.microsoft.com/office/mac/drawingml/2011/main" xmlns="" val="1"/>
             </a:ext>
           </a:extLst>
         </p:spPr>
@@ -5532,7 +5532,7 @@
           </a:ln>
           <a:extLst>
             <a:ext uri="{C572A759-6A51-4108-AA02-DFA0A04FC94B}">
-              <ma14:wrappingTextBoxFlag xmlns="" xmlns:ma14="http://schemas.microsoft.com/office/mac/drawingml/2011/main" val="1"/>
+              <ma14:wrappingTextBoxFlag xmlns:ma14="http://schemas.microsoft.com/office/mac/drawingml/2011/main" xmlns="" val="1"/>
             </a:ext>
           </a:extLst>
         </p:spPr>
@@ -5710,7 +5710,7 @@
           </a:ln>
           <a:extLst>
             <a:ext uri="{C572A759-6A51-4108-AA02-DFA0A04FC94B}">
-              <ma14:wrappingTextBoxFlag xmlns="" xmlns:ma14="http://schemas.microsoft.com/office/mac/drawingml/2011/main" val="1"/>
+              <ma14:wrappingTextBoxFlag xmlns:ma14="http://schemas.microsoft.com/office/mac/drawingml/2011/main" xmlns="" val="1"/>
             </a:ext>
           </a:extLst>
         </p:spPr>
@@ -5889,7 +5889,7 @@
           </a:ln>
           <a:extLst>
             <a:ext uri="{C572A759-6A51-4108-AA02-DFA0A04FC94B}">
-              <ma14:wrappingTextBoxFlag xmlns="" xmlns:ma14="http://schemas.microsoft.com/office/mac/drawingml/2011/main" val="1"/>
+              <ma14:wrappingTextBoxFlag xmlns:ma14="http://schemas.microsoft.com/office/mac/drawingml/2011/main" xmlns="" val="1"/>
             </a:ext>
           </a:extLst>
         </p:spPr>
@@ -6030,7 +6030,7 @@
           </a:ln>
           <a:extLst>
             <a:ext uri="{C572A759-6A51-4108-AA02-DFA0A04FC94B}">
-              <ma14:wrappingTextBoxFlag xmlns="" xmlns:ma14="http://schemas.microsoft.com/office/mac/drawingml/2011/main" val="1"/>
+              <ma14:wrappingTextBoxFlag xmlns:ma14="http://schemas.microsoft.com/office/mac/drawingml/2011/main" xmlns="" val="1"/>
             </a:ext>
           </a:extLst>
         </p:spPr>
@@ -6158,7 +6158,7 @@
           </a:ln>
           <a:extLst>
             <a:ext uri="{C572A759-6A51-4108-AA02-DFA0A04FC94B}">
-              <ma14:wrappingTextBoxFlag xmlns="" xmlns:ma14="http://schemas.microsoft.com/office/mac/drawingml/2011/main" val="1"/>
+              <ma14:wrappingTextBoxFlag xmlns:ma14="http://schemas.microsoft.com/office/mac/drawingml/2011/main" xmlns="" val="1"/>
             </a:ext>
           </a:extLst>
         </p:spPr>
@@ -6348,7 +6348,7 @@
           </a:prstGeom>
           <a:extLst>
             <a:ext uri="{C572A759-6A51-4108-AA02-DFA0A04FC94B}">
-              <ma14:wrappingTextBoxFlag xmlns="" xmlns:ma14="http://schemas.microsoft.com/office/mac/drawingml/2011/main" val="1"/>
+              <ma14:wrappingTextBoxFlag xmlns:ma14="http://schemas.microsoft.com/office/mac/drawingml/2011/main" xmlns="" val="1"/>
             </a:ext>
           </a:extLst>
         </p:spPr>
@@ -6374,7 +6374,7 @@
           <p:nvPr>
             <p:extLst>
               <p:ext uri="{D42A27DB-BD31-4B8C-83A1-F6EECF244321}">
-                <p14:modId xmlns:p14="http://schemas.microsoft.com/office/powerpoint/2010/main" val="401894151"/>
+                <p14:modId xmlns:p14="http://schemas.microsoft.com/office/powerpoint/2010/main" val="2433228018"/>
               </p:ext>
             </p:extLst>
           </p:nvPr>
@@ -6500,7 +6500,7 @@
                             <a:srgbClr val="FFFFFF"/>
                           </a:solidFill>
                         </a:rPr>
-                        <a:t>Flexbox</a:t>
+                        <a:t>Advanced Layout</a:t>
                       </a:r>
                       <a:endParaRPr sz="2200" b="1" i="1" dirty="0">
                         <a:solidFill>
@@ -6803,7 +6803,7 @@
                       </a:pPr>
                       <a:r>
                         <a:rPr lang="en-IE" sz="2200" b="1" i="1" dirty="0" smtClean="0"/>
-                        <a:t>multiple</a:t>
+                        <a:t>mixed</a:t>
                       </a:r>
                       <a:endParaRPr sz="2200" b="1" i="1" dirty="0"/>
                     </a:p>
@@ -6906,8 +6906,8 @@
                         <a:defRPr sz="1800" b="0" i="0"/>
                       </a:pPr>
                       <a:r>
-                        <a:rPr lang="en-IE" sz="2200" b="1" i="1" dirty="0" smtClean="0"/>
-                        <a:t>Extensive</a:t>
+                        <a:rPr lang="en-IE" sz="2200" b="1" i="1" smtClean="0"/>
+                        <a:t>All</a:t>
                       </a:r>
                       <a:endParaRPr sz="2200" b="1" i="1" dirty="0"/>
                     </a:p>
@@ -7000,7 +7000,7 @@
           </a:ln>
           <a:extLst>
             <a:ext uri="{C572A759-6A51-4108-AA02-DFA0A04FC94B}">
-              <ma14:wrappingTextBoxFlag xmlns="" xmlns:ma14="http://schemas.microsoft.com/office/mac/drawingml/2011/main" val="1"/>
+              <ma14:wrappingTextBoxFlag xmlns:ma14="http://schemas.microsoft.com/office/mac/drawingml/2011/main" xmlns="" val="1"/>
             </a:ext>
           </a:extLst>
         </p:spPr>
